--- a/trunk/Document/Slide/NAÏVE BAYES.pptx
+++ b/trunk/Document/Slide/NAÏVE BAYES.pptx
@@ -203,7 +203,7 @@
           <a:p>
             <a:fld id="{C225F5D1-E7D0-4710-9FD6-3DC3AAD17132}" type="datetimeFigureOut">
               <a:rPr lang="en-US" smtClean="0"/>
-              <a:t>5/1/2011</a:t>
+              <a:t>5/10/2011</a:t>
             </a:fld>
             <a:endParaRPr lang="en-US"/>
           </a:p>
@@ -1101,7 +1101,7 @@
           <a:p>
             <a:fld id="{0F94C357-2255-4B39-9F10-95D1653BDFE6}" type="datetimeFigureOut">
               <a:rPr lang="en-US" smtClean="0"/>
-              <a:t>5/1/2011</a:t>
+              <a:t>5/10/2011</a:t>
             </a:fld>
             <a:endParaRPr lang="en-US"/>
           </a:p>
@@ -1494,7 +1494,7 @@
           <a:p>
             <a:fld id="{0F94C357-2255-4B39-9F10-95D1653BDFE6}" type="datetimeFigureOut">
               <a:rPr lang="en-US" smtClean="0"/>
-              <a:t>5/1/2011</a:t>
+              <a:t>5/10/2011</a:t>
             </a:fld>
             <a:endParaRPr lang="en-US"/>
           </a:p>
@@ -2026,7 +2026,7 @@
           <a:p>
             <a:fld id="{0F94C357-2255-4B39-9F10-95D1653BDFE6}" type="datetimeFigureOut">
               <a:rPr lang="en-US" smtClean="0"/>
-              <a:t>5/1/2011</a:t>
+              <a:t>5/10/2011</a:t>
             </a:fld>
             <a:endParaRPr lang="en-US"/>
           </a:p>
@@ -2159,7 +2159,7 @@
           <a:p>
             <a:fld id="{0F94C357-2255-4B39-9F10-95D1653BDFE6}" type="datetimeFigureOut">
               <a:rPr lang="en-US" smtClean="0"/>
-              <a:t>5/1/2011</a:t>
+              <a:t>5/10/2011</a:t>
             </a:fld>
             <a:endParaRPr lang="en-US"/>
           </a:p>
@@ -2702,7 +2702,7 @@
           <a:p>
             <a:fld id="{0F94C357-2255-4B39-9F10-95D1653BDFE6}" type="datetimeFigureOut">
               <a:rPr lang="en-US" smtClean="0"/>
-              <a:t>5/1/2011</a:t>
+              <a:t>5/10/2011</a:t>
             </a:fld>
             <a:endParaRPr lang="en-US"/>
           </a:p>
@@ -2997,7 +2997,7 @@
           <a:p>
             <a:fld id="{0F94C357-2255-4B39-9F10-95D1653BDFE6}" type="datetimeFigureOut">
               <a:rPr lang="en-US" smtClean="0"/>
-              <a:t>5/1/2011</a:t>
+              <a:t>5/10/2011</a:t>
             </a:fld>
             <a:endParaRPr lang="en-US"/>
           </a:p>
@@ -3656,7 +3656,7 @@
           <a:p>
             <a:fld id="{0F94C357-2255-4B39-9F10-95D1653BDFE6}" type="datetimeFigureOut">
               <a:rPr lang="en-US" smtClean="0"/>
-              <a:t>5/1/2011</a:t>
+              <a:t>5/10/2011</a:t>
             </a:fld>
             <a:endParaRPr lang="en-US"/>
           </a:p>
@@ -4092,7 +4092,7 @@
           <a:p>
             <a:fld id="{0F94C357-2255-4B39-9F10-95D1653BDFE6}" type="datetimeFigureOut">
               <a:rPr lang="en-US" smtClean="0"/>
-              <a:t>5/1/2011</a:t>
+              <a:t>5/10/2011</a:t>
             </a:fld>
             <a:endParaRPr lang="en-US"/>
           </a:p>
@@ -4405,7 +4405,7 @@
           <a:p>
             <a:fld id="{0F94C357-2255-4B39-9F10-95D1653BDFE6}" type="datetimeFigureOut">
               <a:rPr lang="en-US" smtClean="0"/>
-              <a:t>5/1/2011</a:t>
+              <a:t>5/10/2011</a:t>
             </a:fld>
             <a:endParaRPr lang="en-US"/>
           </a:p>
@@ -5137,7 +5137,7 @@
           <a:p>
             <a:fld id="{0F94C357-2255-4B39-9F10-95D1653BDFE6}" type="datetimeFigureOut">
               <a:rPr lang="en-US" smtClean="0"/>
-              <a:t>5/1/2011</a:t>
+              <a:t>5/10/2011</a:t>
             </a:fld>
             <a:endParaRPr lang="en-US"/>
           </a:p>
@@ -5801,7 +5801,7 @@
           <a:p>
             <a:fld id="{0F94C357-2255-4B39-9F10-95D1653BDFE6}" type="datetimeFigureOut">
               <a:rPr lang="en-US" smtClean="0"/>
-              <a:t>5/1/2011</a:t>
+              <a:t>5/10/2011</a:t>
             </a:fld>
             <a:endParaRPr lang="en-US"/>
           </a:p>
@@ -6074,7 +6074,7 @@
           <a:p>
             <a:fld id="{0F94C357-2255-4B39-9F10-95D1653BDFE6}" type="datetimeFigureOut">
               <a:rPr lang="en-US" smtClean="0"/>
-              <a:t>5/1/2011</a:t>
+              <a:t>5/10/2011</a:t>
             </a:fld>
             <a:endParaRPr lang="en-US"/>
           </a:p>
@@ -13490,14 +13490,7 @@
                 <a:latin typeface="Arial" pitchFamily="34" charset="0"/>
                 <a:cs typeface="Arial" pitchFamily="34" charset="0"/>
               </a:rPr>
-              <a:t>P(C1) = 4/9        P(C2) = </a:t>
-            </a:r>
-            <a:r>
-              <a:rPr lang="en-US" sz="2400" dirty="0" smtClean="0">
-                <a:latin typeface="Arial" pitchFamily="34" charset="0"/>
-                <a:cs typeface="Arial" pitchFamily="34" charset="0"/>
-              </a:rPr>
-              <a:t>5/9</a:t>
+              <a:t>P(C1) = 4/9        P(C2) = 5/9</a:t>
             </a:r>
           </a:p>
           <a:p>
@@ -14055,11 +14048,11 @@
               <a:t> </a:t>
             </a:r>
             <a:r>
-              <a:rPr lang="en-US" sz="2400" dirty="0" err="1" smtClean="0">
-                <a:latin typeface="Arial" pitchFamily="34" charset="0"/>
-                <a:cs typeface="Arial" pitchFamily="34" charset="0"/>
-              </a:rPr>
-              <a:t>tính</a:t>
+              <a:rPr lang="en-US" sz="2400" smtClean="0">
+                <a:latin typeface="Arial" pitchFamily="34" charset="0"/>
+                <a:cs typeface="Arial" pitchFamily="34" charset="0"/>
+              </a:rPr>
+              <a:t>tinh</a:t>
             </a:r>
             <a:endParaRPr lang="en-US" sz="2400" dirty="0" smtClean="0">
               <a:latin typeface="Arial" pitchFamily="34" charset="0"/>
@@ -14991,11 +14984,7 @@
                       </a:r>
                       <a:r>
                         <a:rPr lang="en-US" sz="2800" baseline="0" dirty="0" smtClean="0"/>
-                        <a:t> = </a:t>
-                      </a:r>
-                      <a:r>
-                        <a:rPr lang="en-US" sz="2800" baseline="0" dirty="0" smtClean="0"/>
-                        <a:t>¼</a:t>
+                        <a:t> = ¼</a:t>
                       </a:r>
                       <a:endParaRPr lang="en-US" sz="2800" dirty="0"/>
                     </a:p>
@@ -15123,11 +15112,7 @@
                       </a:r>
                       <a:r>
                         <a:rPr lang="en-US" sz="2800" baseline="0" dirty="0" smtClean="0"/>
-                        <a:t> = </a:t>
-                      </a:r>
-                      <a:r>
-                        <a:rPr lang="en-US" sz="2800" baseline="0" dirty="0" smtClean="0"/>
-                        <a:t>2/4</a:t>
+                        <a:t> = 2/4</a:t>
                       </a:r>
                       <a:endParaRPr lang="en-US" sz="2800" dirty="0"/>
                     </a:p>
@@ -15259,11 +15244,7 @@
                       </a:r>
                       <a:r>
                         <a:rPr lang="en-US" sz="2800" baseline="0" dirty="0" smtClean="0"/>
-                        <a:t> = </a:t>
-                      </a:r>
-                      <a:r>
-                        <a:rPr lang="en-US" sz="2800" baseline="0" dirty="0" smtClean="0"/>
-                        <a:t>1/4</a:t>
+                        <a:t> = 1/4</a:t>
                       </a:r>
                       <a:endParaRPr lang="en-US" sz="2800" dirty="0"/>
                     </a:p>
@@ -16320,11 +16301,7 @@
                       </a:r>
                       <a:r>
                         <a:rPr lang="en-US" sz="2800" baseline="0" dirty="0" smtClean="0"/>
-                        <a:t> = </a:t>
-                      </a:r>
-                      <a:r>
-                        <a:rPr lang="en-US" sz="2800" baseline="0" dirty="0" smtClean="0"/>
-                        <a:t>1/4 </a:t>
+                        <a:t> = 1/4 </a:t>
                       </a:r>
                       <a:endParaRPr lang="en-US" sz="2800" dirty="0"/>
                     </a:p>
@@ -16440,11 +16417,7 @@
                       </a:r>
                       <a:r>
                         <a:rPr lang="en-US" sz="2800" baseline="0" dirty="0" smtClean="0"/>
-                        <a:t> = </a:t>
-                      </a:r>
-                      <a:r>
-                        <a:rPr lang="en-US" sz="2800" baseline="0" dirty="0" smtClean="0"/>
-                        <a:t>1/4</a:t>
+                        <a:t> = 1/4</a:t>
                       </a:r>
                       <a:endParaRPr lang="en-US" sz="2800" dirty="0"/>
                     </a:p>
@@ -16560,11 +16533,7 @@
                       </a:r>
                       <a:r>
                         <a:rPr lang="en-US" sz="2800" baseline="0" dirty="0" smtClean="0"/>
-                        <a:t> = </a:t>
-                      </a:r>
-                      <a:r>
-                        <a:rPr lang="en-US" sz="2800" baseline="0" dirty="0" smtClean="0"/>
-                        <a:t>2/4</a:t>
+                        <a:t> = 2/4</a:t>
                       </a:r>
                       <a:endParaRPr lang="en-US" sz="2800" dirty="0"/>
                     </a:p>
